--- a/lab7/problemy.pptx
+++ b/lab7/problemy.pptx
@@ -140,6 +140,33 @@
     </p:ext>
   </p:extLst>
 </p:presentation>
+</file>
+
+<file path=ppt/authors.xml><?xml version="1.0" encoding="utf-8"?>
+<p188:authorLst xmlns:a="http://schemas.openxmlformats.org/drawingml/2006/main" xmlns:r="http://schemas.openxmlformats.org/officeDocument/2006/relationships" xmlns:p188="http://schemas.microsoft.com/office/powerpoint/2018/8/main">
+  <p188:author id="{07E5D2B9-3504-4E4C-A50E-5DB6C8495BBA}" name="Michał Bert" initials="MB" userId="e8f73fa78b279f9e" providerId="Windows Live"/>
+</p188:authorLst>
+</file>
+
+<file path=ppt/comments/modernComment_10B_38A68B4E.xml><?xml version="1.0" encoding="utf-8"?>
+<p188:cmLst xmlns:a="http://schemas.openxmlformats.org/drawingml/2006/main" xmlns:r="http://schemas.openxmlformats.org/officeDocument/2006/relationships" xmlns:p188="http://schemas.microsoft.com/office/powerpoint/2018/8/main">
+  <p188:cm id="{80563D60-E9C8-4E37-A405-C0166DA10E56}" authorId="{07E5D2B9-3504-4E4C-A50E-5DB6C8495BBA}" created="2023-04-26T13:37:36.968">
+    <pc:sldMkLst xmlns:pc="http://schemas.microsoft.com/office/powerpoint/2013/main/command">
+      <pc:docMk/>
+      <pc:sldMk cId="950438734" sldId="267"/>
+    </pc:sldMkLst>
+    <p188:txBody>
+      <a:bodyPr/>
+      <a:lstStyle/>
+      <a:p>
+        <a:r>
+          <a:rPr lang="en-GB"/>
+          <a:t>Dodać oscylacje w przypadku funkcji kwadratowych</a:t>
+        </a:r>
+      </a:p>
+    </p188:txBody>
+  </p188:cm>
+</p188:cmLst>
 </file>
 
 <file path=ppt/diagrams/colors1.xml><?xml version="1.0" encoding="utf-8"?>
@@ -3709,7 +3736,7 @@
 <dgm:dataModel xmlns:dgm="http://schemas.openxmlformats.org/drawingml/2006/diagram" xmlns:a="http://schemas.openxmlformats.org/drawingml/2006/main">
   <dgm:ptLst>
     <dgm:pt modelId="{DB5CAC7F-01FB-47F2-B78C-E020948D7E3A}" type="doc">
-      <dgm:prSet loTypeId="urn:microsoft.com/office/officeart/2008/layout/LinedList" loCatId="list" qsTypeId="urn:microsoft.com/office/officeart/2005/8/quickstyle/simple1" qsCatId="simple" csTypeId="urn:microsoft.com/office/officeart/2005/8/colors/accent0_3" csCatId="mainScheme"/>
+      <dgm:prSet loTypeId="urn:microsoft.com/office/officeart/2008/layout/LinedList" loCatId="list" qsTypeId="urn:microsoft.com/office/officeart/2005/8/quickstyle/simple1" qsCatId="simple" csTypeId="urn:microsoft.com/office/officeart/2005/8/colors/accent0_3" csCatId="mainScheme" phldr="1"/>
       <dgm:spPr/>
       <dgm:t>
         <a:bodyPr/>
@@ -3727,10 +3754,14 @@
         <a:lstStyle/>
         <a:p>
           <a:r>
-            <a:rPr lang="pl-PL" b="0" i="0"/>
-            <a:t>Ilość węzłów nie wpływa na dokładność aproksymacji</a:t>
+            <a:rPr lang="en-GB" b="0" i="0" dirty="0" err="1"/>
+            <a:t>Liczba</a:t>
           </a:r>
-          <a:endParaRPr lang="en-US"/>
+          <a:r>
+            <a:rPr lang="pl-PL" b="0" i="0" dirty="0"/>
+            <a:t> węzłów nie wpływa na dokładność aproksymacji</a:t>
+          </a:r>
+          <a:endParaRPr lang="en-US" dirty="0"/>
         </a:p>
       </dgm:t>
     </dgm:pt>
@@ -4852,10 +4883,14 @@
             <a:buNone/>
           </a:pPr>
           <a:r>
-            <a:rPr lang="pl-PL" sz="3400" b="0" i="0" kern="1200"/>
-            <a:t>Ilość węzłów nie wpływa na dokładność aproksymacji</a:t>
+            <a:rPr lang="en-GB" sz="3400" b="0" i="0" kern="1200" dirty="0" err="1"/>
+            <a:t>Liczba</a:t>
           </a:r>
-          <a:endParaRPr lang="en-US" sz="3400" kern="1200"/>
+          <a:r>
+            <a:rPr lang="pl-PL" sz="3400" b="0" i="0" kern="1200" dirty="0"/>
+            <a:t> węzłów nie wpływa na dokładność aproksymacji</a:t>
+          </a:r>
+          <a:endParaRPr lang="en-US" sz="3400" kern="1200" dirty="0"/>
         </a:p>
       </dsp:txBody>
       <dsp:txXfrm>
@@ -27272,7 +27307,7 @@
     <p:bg>
       <p:bgPr>
         <a:blipFill rotWithShape="1">
-          <a:blip r:embed="rId2">
+          <a:blip r:embed="rId3">
             <a:duotone>
               <a:schemeClr val="bg2">
                 <a:shade val="69000"/>
@@ -27367,7 +27402,7 @@
               <a:avLst/>
             </a:prstGeom>
             <a:blipFill>
-              <a:blip r:embed="rId2">
+              <a:blip r:embed="rId3">
                 <a:duotone>
                   <a:schemeClr val="dk2">
                     <a:shade val="69000"/>
@@ -28407,6 +28442,11 @@
   <p:clrMapOvr>
     <a:overrideClrMapping bg1="dk1" tx1="lt1" bg2="dk2" tx2="lt2" accent1="accent1" accent2="accent2" accent3="accent3" accent4="accent4" accent5="accent5" accent6="accent6" hlink="hlink" folHlink="folHlink"/>
   </p:clrMapOvr>
+  <p:extLst>
+    <p:ext uri="{6950BFC3-D8DA-4A85-94F7-54DA5524770B}">
+      <p188:commentRel xmlns:p188="http://schemas.microsoft.com/office/powerpoint/2018/8/main" r:id="rId2"/>
+    </p:ext>
+  </p:extLst>
 </p:sld>
 </file>
 
@@ -30280,42 +30320,6 @@
           <a:chExt cx="0" cy="0"/>
         </a:xfrm>
       </p:grpSpPr>
-      <p:sp>
-        <p:nvSpPr>
-          <p:cNvPr id="2" name="Tytuł 1">
-            <a:extLst>
-              <a:ext uri="{FF2B5EF4-FFF2-40B4-BE49-F238E27FC236}">
-                <a16:creationId xmlns:a16="http://schemas.microsoft.com/office/drawing/2014/main" id="{14556511-4591-2BF6-021D-DBB01DC37CEF}"/>
-              </a:ext>
-            </a:extLst>
-          </p:cNvPr>
-          <p:cNvSpPr>
-            <a:spLocks noGrp="1"/>
-          </p:cNvSpPr>
-          <p:nvPr>
-            <p:ph type="title"/>
-          </p:nvPr>
-        </p:nvSpPr>
-        <p:spPr>
-          <a:xfrm>
-            <a:off x="1154954" y="973668"/>
-            <a:ext cx="8761413" cy="706964"/>
-          </a:xfrm>
-        </p:spPr>
-        <p:txBody>
-          <a:bodyPr>
-            <a:normAutofit/>
-          </a:bodyPr>
-          <a:lstStyle/>
-          <a:p>
-            <a:endParaRPr lang="pl-PL">
-              <a:solidFill>
-                <a:srgbClr val="EBEBEB"/>
-              </a:solidFill>
-            </a:endParaRPr>
-          </a:p>
-        </p:txBody>
-      </p:sp>
       <p:graphicFrame>
         <p:nvGraphicFramePr>
           <p:cNvPr id="5" name="Symbol zastępczy zawartości 2">
@@ -30332,7 +30336,7 @@
             <p:ph idx="1"/>
             <p:extLst>
               <p:ext uri="{D42A27DB-BD31-4B8C-83A1-F6EECF244321}">
-                <p14:modId xmlns:p14="http://schemas.microsoft.com/office/powerpoint/2010/main" val="2820985917"/>
+                <p14:modId xmlns:p14="http://schemas.microsoft.com/office/powerpoint/2010/main" val="3723761848"/>
               </p:ext>
             </p:extLst>
           </p:nvPr>
